--- a/2DHukuokaGameContest2023/スラスラ -SlashSlice-.pptx
+++ b/2DHukuokaGameContest2023/スラスラ -SlashSlice-.pptx
@@ -3651,41 +3651,25 @@
           <a:p>
             <a:r>
               <a:rPr lang="ja-JP" altLang="en-US" sz="2000" dirty="0" smtClean="0"/>
-              <a:t>敵を切って</a:t>
-            </a:r>
-            <a:r>
-              <a:rPr lang="en-US" altLang="ja-JP" sz="2000" dirty="0">
+              <a:t>敵を</a:t>
+            </a:r>
+            <a:r>
+              <a:rPr lang="ja-JP" altLang="en-US" sz="2000" dirty="0" smtClean="0"/>
+              <a:t>切って</a:t>
+            </a:r>
+            <a:r>
+              <a:rPr lang="ja-JP" altLang="en-US" sz="2000" dirty="0"/>
+              <a:t>、</a:t>
+            </a:r>
+            <a:r>
+              <a:rPr lang="ja-JP" altLang="en-US" sz="2000" b="1" dirty="0" smtClean="0">
                 <a:solidFill>
                   <a:srgbClr val="FF0000"/>
                 </a:solidFill>
               </a:rPr>
-              <a:t>『</a:t>
-            </a:r>
-            <a:r>
-              <a:rPr lang="ja-JP" altLang="en-US" sz="2000" dirty="0">
-                <a:solidFill>
-                  <a:srgbClr val="FF0000"/>
-                </a:solidFill>
-              </a:rPr>
-              <a:t>スラッシュゴッド</a:t>
-            </a:r>
-            <a:r>
-              <a:rPr lang="en-US" altLang="ja-JP" sz="2000" dirty="0">
-                <a:solidFill>
-                  <a:srgbClr val="FF0000"/>
-                </a:solidFill>
-              </a:rPr>
-              <a:t>』</a:t>
-            </a:r>
-            <a:r>
-              <a:rPr lang="ja-JP" altLang="en-US" sz="2000" dirty="0">
-                <a:solidFill>
-                  <a:srgbClr val="FF0000"/>
-                </a:solidFill>
-              </a:rPr>
-              <a:t>を目指しましょう！</a:t>
-            </a:r>
-            <a:endParaRPr kumimoji="1" lang="ja-JP" altLang="en-US" sz="2000" dirty="0">
+              <a:t>目指せ！スラッシュゴッド！</a:t>
+            </a:r>
+            <a:endParaRPr kumimoji="1" lang="ja-JP" altLang="en-US" sz="2000" b="1" dirty="0">
               <a:solidFill>
                 <a:srgbClr val="FF0000"/>
               </a:solidFill>
